--- a/Good good father.pptx
+++ b/Good good father.pptx
@@ -112,6 +112,22 @@
       </a:defRPr>
     </a:lvl9pPr>
   </p:defaultTextStyle>
+  <p:extLst>
+    <p:ext uri="{EFAFB233-063F-42B5-8137-9DF3F51BA10A}">
+      <p15:sldGuideLst xmlns:p15="http://schemas.microsoft.com/office/powerpoint/2012/main">
+        <p15:guide id="1" orient="horz" pos="2160">
+          <p15:clr>
+            <a:srgbClr val="A4A3A4"/>
+          </p15:clr>
+        </p15:guide>
+        <p15:guide id="2" pos="2880">
+          <p15:clr>
+            <a:srgbClr val="A4A3A4"/>
+          </p15:clr>
+        </p15:guide>
+      </p15:sldGuideLst>
+    </p:ext>
+  </p:extLst>
 </p:presentation>
 </file>
 
@@ -198,7 +214,7 @@
             <a:fld id="{91634A6E-4AD1-4BEA-B01D-F83586EDD2B3}" type="datetimeFigureOut">
               <a:rPr lang="en-US" smtClean="0"/>
               <a:pPr/>
-              <a:t>26-Sep-17</a:t>
+              <a:t>5/5/2019</a:t>
             </a:fld>
             <a:endParaRPr lang="en-US"/>
           </a:p>
@@ -264,38 +280,37 @@
           <a:p>
             <a:pPr lvl="0"/>
             <a:r>
-              <a:rPr lang="en-US" smtClean="0"/>
+              <a:rPr lang="en-US"/>
               <a:t>Click to edit Master text styles</a:t>
             </a:r>
           </a:p>
           <a:p>
             <a:pPr lvl="1"/>
             <a:r>
-              <a:rPr lang="en-US" smtClean="0"/>
+              <a:rPr lang="en-US"/>
               <a:t>Second level</a:t>
             </a:r>
           </a:p>
           <a:p>
             <a:pPr lvl="2"/>
             <a:r>
-              <a:rPr lang="en-US" smtClean="0"/>
+              <a:rPr lang="en-US"/>
               <a:t>Third level</a:t>
             </a:r>
           </a:p>
           <a:p>
             <a:pPr lvl="3"/>
             <a:r>
-              <a:rPr lang="en-US" smtClean="0"/>
+              <a:rPr lang="en-US"/>
               <a:t>Fourth level</a:t>
             </a:r>
           </a:p>
           <a:p>
             <a:pPr lvl="4"/>
             <a:r>
-              <a:rPr lang="en-US" smtClean="0"/>
+              <a:rPr lang="en-US"/>
               <a:t>Fifth level</a:t>
             </a:r>
-            <a:endParaRPr lang="en-US"/>
           </a:p>
         </p:txBody>
       </p:sp>
@@ -666,10 +681,9 @@
           <a:lstStyle/>
           <a:p>
             <a:r>
-              <a:rPr lang="en-US" smtClean="0"/>
+              <a:rPr lang="en-US"/>
               <a:t>Click to edit Master title style</a:t>
             </a:r>
-            <a:endParaRPr lang="en-US"/>
           </a:p>
         </p:txBody>
       </p:sp>
@@ -785,10 +799,9 @@
           </a:lstStyle>
           <a:p>
             <a:r>
-              <a:rPr lang="en-US" smtClean="0"/>
+              <a:rPr lang="en-US"/>
               <a:t>Click to edit Master subtitle style</a:t>
             </a:r>
-            <a:endParaRPr lang="en-US"/>
           </a:p>
         </p:txBody>
       </p:sp>
@@ -810,7 +823,7 @@
             <a:fld id="{5F8BEB70-0D9B-4186-97A7-C2420D1EE61A}" type="datetimeFigureOut">
               <a:rPr lang="en-US" smtClean="0"/>
               <a:pPr/>
-              <a:t>26-Sep-17</a:t>
+              <a:t>5/5/2019</a:t>
             </a:fld>
             <a:endParaRPr lang="en-US"/>
           </a:p>
@@ -900,10 +913,9 @@
           <a:lstStyle/>
           <a:p>
             <a:r>
-              <a:rPr lang="en-US" smtClean="0"/>
+              <a:rPr lang="en-US"/>
               <a:t>Click to edit Master title style</a:t>
             </a:r>
-            <a:endParaRPr lang="en-US"/>
           </a:p>
         </p:txBody>
       </p:sp>
@@ -924,38 +936,37 @@
           <a:p>
             <a:pPr lvl="0"/>
             <a:r>
-              <a:rPr lang="en-US" smtClean="0"/>
+              <a:rPr lang="en-US"/>
               <a:t>Click to edit Master text styles</a:t>
             </a:r>
           </a:p>
           <a:p>
             <a:pPr lvl="1"/>
             <a:r>
-              <a:rPr lang="en-US" smtClean="0"/>
+              <a:rPr lang="en-US"/>
               <a:t>Second level</a:t>
             </a:r>
           </a:p>
           <a:p>
             <a:pPr lvl="2"/>
             <a:r>
-              <a:rPr lang="en-US" smtClean="0"/>
+              <a:rPr lang="en-US"/>
               <a:t>Third level</a:t>
             </a:r>
           </a:p>
           <a:p>
             <a:pPr lvl="3"/>
             <a:r>
-              <a:rPr lang="en-US" smtClean="0"/>
+              <a:rPr lang="en-US"/>
               <a:t>Fourth level</a:t>
             </a:r>
           </a:p>
           <a:p>
             <a:pPr lvl="4"/>
             <a:r>
-              <a:rPr lang="en-US" smtClean="0"/>
+              <a:rPr lang="en-US"/>
               <a:t>Fifth level</a:t>
             </a:r>
-            <a:endParaRPr lang="en-US"/>
           </a:p>
         </p:txBody>
       </p:sp>
@@ -977,7 +988,7 @@
             <a:fld id="{5F8BEB70-0D9B-4186-97A7-C2420D1EE61A}" type="datetimeFigureOut">
               <a:rPr lang="en-US" smtClean="0"/>
               <a:pPr/>
-              <a:t>26-Sep-17</a:t>
+              <a:t>5/5/2019</a:t>
             </a:fld>
             <a:endParaRPr lang="en-US"/>
           </a:p>
@@ -1072,10 +1083,9 @@
           <a:lstStyle/>
           <a:p>
             <a:r>
-              <a:rPr lang="en-US" smtClean="0"/>
+              <a:rPr lang="en-US"/>
               <a:t>Click to edit Master title style</a:t>
             </a:r>
-            <a:endParaRPr lang="en-US"/>
           </a:p>
         </p:txBody>
       </p:sp>
@@ -1101,38 +1111,37 @@
           <a:p>
             <a:pPr lvl="0"/>
             <a:r>
-              <a:rPr lang="en-US" smtClean="0"/>
+              <a:rPr lang="en-US"/>
               <a:t>Click to edit Master text styles</a:t>
             </a:r>
           </a:p>
           <a:p>
             <a:pPr lvl="1"/>
             <a:r>
-              <a:rPr lang="en-US" smtClean="0"/>
+              <a:rPr lang="en-US"/>
               <a:t>Second level</a:t>
             </a:r>
           </a:p>
           <a:p>
             <a:pPr lvl="2"/>
             <a:r>
-              <a:rPr lang="en-US" smtClean="0"/>
+              <a:rPr lang="en-US"/>
               <a:t>Third level</a:t>
             </a:r>
           </a:p>
           <a:p>
             <a:pPr lvl="3"/>
             <a:r>
-              <a:rPr lang="en-US" smtClean="0"/>
+              <a:rPr lang="en-US"/>
               <a:t>Fourth level</a:t>
             </a:r>
           </a:p>
           <a:p>
             <a:pPr lvl="4"/>
             <a:r>
-              <a:rPr lang="en-US" smtClean="0"/>
+              <a:rPr lang="en-US"/>
               <a:t>Fifth level</a:t>
             </a:r>
-            <a:endParaRPr lang="en-US"/>
           </a:p>
         </p:txBody>
       </p:sp>
@@ -1154,7 +1163,7 @@
             <a:fld id="{5F8BEB70-0D9B-4186-97A7-C2420D1EE61A}" type="datetimeFigureOut">
               <a:rPr lang="en-US" smtClean="0"/>
               <a:pPr/>
-              <a:t>26-Sep-17</a:t>
+              <a:t>5/5/2019</a:t>
             </a:fld>
             <a:endParaRPr lang="en-US"/>
           </a:p>
@@ -1244,10 +1253,9 @@
           <a:lstStyle/>
           <a:p>
             <a:r>
-              <a:rPr lang="en-US" smtClean="0"/>
+              <a:rPr lang="en-US"/>
               <a:t>Click to edit Master title style</a:t>
             </a:r>
-            <a:endParaRPr lang="en-US"/>
           </a:p>
         </p:txBody>
       </p:sp>
@@ -1268,38 +1276,37 @@
           <a:p>
             <a:pPr lvl="0"/>
             <a:r>
-              <a:rPr lang="en-US" smtClean="0"/>
+              <a:rPr lang="en-US"/>
               <a:t>Click to edit Master text styles</a:t>
             </a:r>
           </a:p>
           <a:p>
             <a:pPr lvl="1"/>
             <a:r>
-              <a:rPr lang="en-US" smtClean="0"/>
+              <a:rPr lang="en-US"/>
               <a:t>Second level</a:t>
             </a:r>
           </a:p>
           <a:p>
             <a:pPr lvl="2"/>
             <a:r>
-              <a:rPr lang="en-US" smtClean="0"/>
+              <a:rPr lang="en-US"/>
               <a:t>Third level</a:t>
             </a:r>
           </a:p>
           <a:p>
             <a:pPr lvl="3"/>
             <a:r>
-              <a:rPr lang="en-US" smtClean="0"/>
+              <a:rPr lang="en-US"/>
               <a:t>Fourth level</a:t>
             </a:r>
           </a:p>
           <a:p>
             <a:pPr lvl="4"/>
             <a:r>
-              <a:rPr lang="en-US" smtClean="0"/>
+              <a:rPr lang="en-US"/>
               <a:t>Fifth level</a:t>
             </a:r>
-            <a:endParaRPr lang="en-US"/>
           </a:p>
         </p:txBody>
       </p:sp>
@@ -1321,7 +1328,7 @@
             <a:fld id="{5F8BEB70-0D9B-4186-97A7-C2420D1EE61A}" type="datetimeFigureOut">
               <a:rPr lang="en-US" smtClean="0"/>
               <a:pPr/>
-              <a:t>26-Sep-17</a:t>
+              <a:t>5/5/2019</a:t>
             </a:fld>
             <a:endParaRPr lang="en-US"/>
           </a:p>
@@ -1420,10 +1427,9 @@
           </a:lstStyle>
           <a:p>
             <a:r>
-              <a:rPr lang="en-US" smtClean="0"/>
+              <a:rPr lang="en-US"/>
               <a:t>Click to edit Master title style</a:t>
             </a:r>
-            <a:endParaRPr lang="en-US"/>
           </a:p>
         </p:txBody>
       </p:sp>
@@ -1540,7 +1546,7 @@
           <a:p>
             <a:pPr lvl="0"/>
             <a:r>
-              <a:rPr lang="en-US" smtClean="0"/>
+              <a:rPr lang="en-US"/>
               <a:t>Click to edit Master text styles</a:t>
             </a:r>
           </a:p>
@@ -1564,7 +1570,7 @@
             <a:fld id="{5F8BEB70-0D9B-4186-97A7-C2420D1EE61A}" type="datetimeFigureOut">
               <a:rPr lang="en-US" smtClean="0"/>
               <a:pPr/>
-              <a:t>26-Sep-17</a:t>
+              <a:t>5/5/2019</a:t>
             </a:fld>
             <a:endParaRPr lang="en-US"/>
           </a:p>
@@ -1654,10 +1660,9 @@
           <a:lstStyle/>
           <a:p>
             <a:r>
-              <a:rPr lang="en-US" smtClean="0"/>
+              <a:rPr lang="en-US"/>
               <a:t>Click to edit Master title style</a:t>
             </a:r>
-            <a:endParaRPr lang="en-US"/>
           </a:p>
         </p:txBody>
       </p:sp>
@@ -1711,38 +1716,37 @@
           <a:p>
             <a:pPr lvl="0"/>
             <a:r>
-              <a:rPr lang="en-US" smtClean="0"/>
+              <a:rPr lang="en-US"/>
               <a:t>Click to edit Master text styles</a:t>
             </a:r>
           </a:p>
           <a:p>
             <a:pPr lvl="1"/>
             <a:r>
-              <a:rPr lang="en-US" smtClean="0"/>
+              <a:rPr lang="en-US"/>
               <a:t>Second level</a:t>
             </a:r>
           </a:p>
           <a:p>
             <a:pPr lvl="2"/>
             <a:r>
-              <a:rPr lang="en-US" smtClean="0"/>
+              <a:rPr lang="en-US"/>
               <a:t>Third level</a:t>
             </a:r>
           </a:p>
           <a:p>
             <a:pPr lvl="3"/>
             <a:r>
-              <a:rPr lang="en-US" smtClean="0"/>
+              <a:rPr lang="en-US"/>
               <a:t>Fourth level</a:t>
             </a:r>
           </a:p>
           <a:p>
             <a:pPr lvl="4"/>
             <a:r>
-              <a:rPr lang="en-US" smtClean="0"/>
+              <a:rPr lang="en-US"/>
               <a:t>Fifth level</a:t>
             </a:r>
-            <a:endParaRPr lang="en-US"/>
           </a:p>
         </p:txBody>
       </p:sp>
@@ -1796,38 +1800,37 @@
           <a:p>
             <a:pPr lvl="0"/>
             <a:r>
-              <a:rPr lang="en-US" smtClean="0"/>
+              <a:rPr lang="en-US"/>
               <a:t>Click to edit Master text styles</a:t>
             </a:r>
           </a:p>
           <a:p>
             <a:pPr lvl="1"/>
             <a:r>
-              <a:rPr lang="en-US" smtClean="0"/>
+              <a:rPr lang="en-US"/>
               <a:t>Second level</a:t>
             </a:r>
           </a:p>
           <a:p>
             <a:pPr lvl="2"/>
             <a:r>
-              <a:rPr lang="en-US" smtClean="0"/>
+              <a:rPr lang="en-US"/>
               <a:t>Third level</a:t>
             </a:r>
           </a:p>
           <a:p>
             <a:pPr lvl="3"/>
             <a:r>
-              <a:rPr lang="en-US" smtClean="0"/>
+              <a:rPr lang="en-US"/>
               <a:t>Fourth level</a:t>
             </a:r>
           </a:p>
           <a:p>
             <a:pPr lvl="4"/>
             <a:r>
-              <a:rPr lang="en-US" smtClean="0"/>
+              <a:rPr lang="en-US"/>
               <a:t>Fifth level</a:t>
             </a:r>
-            <a:endParaRPr lang="en-US"/>
           </a:p>
         </p:txBody>
       </p:sp>
@@ -1849,7 +1852,7 @@
             <a:fld id="{5F8BEB70-0D9B-4186-97A7-C2420D1EE61A}" type="datetimeFigureOut">
               <a:rPr lang="en-US" smtClean="0"/>
               <a:pPr/>
-              <a:t>26-Sep-17</a:t>
+              <a:t>5/5/2019</a:t>
             </a:fld>
             <a:endParaRPr lang="en-US"/>
           </a:p>
@@ -1943,10 +1946,9 @@
           </a:lstStyle>
           <a:p>
             <a:r>
-              <a:rPr lang="en-US" smtClean="0"/>
+              <a:rPr lang="en-US"/>
               <a:t>Click to edit Master title style</a:t>
             </a:r>
-            <a:endParaRPr lang="en-US"/>
           </a:p>
         </p:txBody>
       </p:sp>
@@ -2009,7 +2011,7 @@
           <a:p>
             <a:pPr lvl="0"/>
             <a:r>
-              <a:rPr lang="en-US" smtClean="0"/>
+              <a:rPr lang="en-US"/>
               <a:t>Click to edit Master text styles</a:t>
             </a:r>
           </a:p>
@@ -2065,38 +2067,37 @@
           <a:p>
             <a:pPr lvl="0"/>
             <a:r>
-              <a:rPr lang="en-US" smtClean="0"/>
+              <a:rPr lang="en-US"/>
               <a:t>Click to edit Master text styles</a:t>
             </a:r>
           </a:p>
           <a:p>
             <a:pPr lvl="1"/>
             <a:r>
-              <a:rPr lang="en-US" smtClean="0"/>
+              <a:rPr lang="en-US"/>
               <a:t>Second level</a:t>
             </a:r>
           </a:p>
           <a:p>
             <a:pPr lvl="2"/>
             <a:r>
-              <a:rPr lang="en-US" smtClean="0"/>
+              <a:rPr lang="en-US"/>
               <a:t>Third level</a:t>
             </a:r>
           </a:p>
           <a:p>
             <a:pPr lvl="3"/>
             <a:r>
-              <a:rPr lang="en-US" smtClean="0"/>
+              <a:rPr lang="en-US"/>
               <a:t>Fourth level</a:t>
             </a:r>
           </a:p>
           <a:p>
             <a:pPr lvl="4"/>
             <a:r>
-              <a:rPr lang="en-US" smtClean="0"/>
+              <a:rPr lang="en-US"/>
               <a:t>Fifth level</a:t>
             </a:r>
-            <a:endParaRPr lang="en-US"/>
           </a:p>
         </p:txBody>
       </p:sp>
@@ -2159,7 +2160,7 @@
           <a:p>
             <a:pPr lvl="0"/>
             <a:r>
-              <a:rPr lang="en-US" smtClean="0"/>
+              <a:rPr lang="en-US"/>
               <a:t>Click to edit Master text styles</a:t>
             </a:r>
           </a:p>
@@ -2215,38 +2216,37 @@
           <a:p>
             <a:pPr lvl="0"/>
             <a:r>
-              <a:rPr lang="en-US" smtClean="0"/>
+              <a:rPr lang="en-US"/>
               <a:t>Click to edit Master text styles</a:t>
             </a:r>
           </a:p>
           <a:p>
             <a:pPr lvl="1"/>
             <a:r>
-              <a:rPr lang="en-US" smtClean="0"/>
+              <a:rPr lang="en-US"/>
               <a:t>Second level</a:t>
             </a:r>
           </a:p>
           <a:p>
             <a:pPr lvl="2"/>
             <a:r>
-              <a:rPr lang="en-US" smtClean="0"/>
+              <a:rPr lang="en-US"/>
               <a:t>Third level</a:t>
             </a:r>
           </a:p>
           <a:p>
             <a:pPr lvl="3"/>
             <a:r>
-              <a:rPr lang="en-US" smtClean="0"/>
+              <a:rPr lang="en-US"/>
               <a:t>Fourth level</a:t>
             </a:r>
           </a:p>
           <a:p>
             <a:pPr lvl="4"/>
             <a:r>
-              <a:rPr lang="en-US" smtClean="0"/>
+              <a:rPr lang="en-US"/>
               <a:t>Fifth level</a:t>
             </a:r>
-            <a:endParaRPr lang="en-US"/>
           </a:p>
         </p:txBody>
       </p:sp>
@@ -2268,7 +2268,7 @@
             <a:fld id="{5F8BEB70-0D9B-4186-97A7-C2420D1EE61A}" type="datetimeFigureOut">
               <a:rPr lang="en-US" smtClean="0"/>
               <a:pPr/>
-              <a:t>26-Sep-17</a:t>
+              <a:t>5/5/2019</a:t>
             </a:fld>
             <a:endParaRPr lang="en-US"/>
           </a:p>
@@ -2358,10 +2358,9 @@
           <a:lstStyle/>
           <a:p>
             <a:r>
-              <a:rPr lang="en-US" smtClean="0"/>
+              <a:rPr lang="en-US"/>
               <a:t>Click to edit Master title style</a:t>
             </a:r>
-            <a:endParaRPr lang="en-US"/>
           </a:p>
         </p:txBody>
       </p:sp>
@@ -2383,7 +2382,7 @@
             <a:fld id="{5F8BEB70-0D9B-4186-97A7-C2420D1EE61A}" type="datetimeFigureOut">
               <a:rPr lang="en-US" smtClean="0"/>
               <a:pPr/>
-              <a:t>26-Sep-17</a:t>
+              <a:t>5/5/2019</a:t>
             </a:fld>
             <a:endParaRPr lang="en-US"/>
           </a:p>
@@ -2475,7 +2474,7 @@
             <a:fld id="{5F8BEB70-0D9B-4186-97A7-C2420D1EE61A}" type="datetimeFigureOut">
               <a:rPr lang="en-US" smtClean="0"/>
               <a:pPr/>
-              <a:t>26-Sep-17</a:t>
+              <a:t>5/5/2019</a:t>
             </a:fld>
             <a:endParaRPr lang="en-US"/>
           </a:p>
@@ -2574,10 +2573,9 @@
           </a:lstStyle>
           <a:p>
             <a:r>
-              <a:rPr lang="en-US" smtClean="0"/>
+              <a:rPr lang="en-US"/>
               <a:t>Click to edit Master title style</a:t>
             </a:r>
-            <a:endParaRPr lang="en-US"/>
           </a:p>
         </p:txBody>
       </p:sp>
@@ -2631,38 +2629,37 @@
           <a:p>
             <a:pPr lvl="0"/>
             <a:r>
-              <a:rPr lang="en-US" smtClean="0"/>
+              <a:rPr lang="en-US"/>
               <a:t>Click to edit Master text styles</a:t>
             </a:r>
           </a:p>
           <a:p>
             <a:pPr lvl="1"/>
             <a:r>
-              <a:rPr lang="en-US" smtClean="0"/>
+              <a:rPr lang="en-US"/>
               <a:t>Second level</a:t>
             </a:r>
           </a:p>
           <a:p>
             <a:pPr lvl="2"/>
             <a:r>
-              <a:rPr lang="en-US" smtClean="0"/>
+              <a:rPr lang="en-US"/>
               <a:t>Third level</a:t>
             </a:r>
           </a:p>
           <a:p>
             <a:pPr lvl="3"/>
             <a:r>
-              <a:rPr lang="en-US" smtClean="0"/>
+              <a:rPr lang="en-US"/>
               <a:t>Fourth level</a:t>
             </a:r>
           </a:p>
           <a:p>
             <a:pPr lvl="4"/>
             <a:r>
-              <a:rPr lang="en-US" smtClean="0"/>
+              <a:rPr lang="en-US"/>
               <a:t>Fifth level</a:t>
             </a:r>
-            <a:endParaRPr lang="en-US"/>
           </a:p>
         </p:txBody>
       </p:sp>
@@ -2725,7 +2722,7 @@
           <a:p>
             <a:pPr lvl="0"/>
             <a:r>
-              <a:rPr lang="en-US" smtClean="0"/>
+              <a:rPr lang="en-US"/>
               <a:t>Click to edit Master text styles</a:t>
             </a:r>
           </a:p>
@@ -2749,7 +2746,7 @@
             <a:fld id="{5F8BEB70-0D9B-4186-97A7-C2420D1EE61A}" type="datetimeFigureOut">
               <a:rPr lang="en-US" smtClean="0"/>
               <a:pPr/>
-              <a:t>26-Sep-17</a:t>
+              <a:t>5/5/2019</a:t>
             </a:fld>
             <a:endParaRPr lang="en-US"/>
           </a:p>
@@ -2848,10 +2845,9 @@
           </a:lstStyle>
           <a:p>
             <a:r>
-              <a:rPr lang="en-US" smtClean="0"/>
+              <a:rPr lang="en-US"/>
               <a:t>Click to edit Master title style</a:t>
             </a:r>
-            <a:endParaRPr lang="en-US"/>
           </a:p>
         </p:txBody>
       </p:sp>
@@ -2975,7 +2971,7 @@
           <a:p>
             <a:pPr lvl="0"/>
             <a:r>
-              <a:rPr lang="en-US" smtClean="0"/>
+              <a:rPr lang="en-US"/>
               <a:t>Click to edit Master text styles</a:t>
             </a:r>
           </a:p>
@@ -2999,7 +2995,7 @@
             <a:fld id="{5F8BEB70-0D9B-4186-97A7-C2420D1EE61A}" type="datetimeFigureOut">
               <a:rPr lang="en-US" smtClean="0"/>
               <a:pPr/>
-              <a:t>26-Sep-17</a:t>
+              <a:t>5/5/2019</a:t>
             </a:fld>
             <a:endParaRPr lang="en-US"/>
           </a:p>
@@ -3107,10 +3103,9 @@
           <a:lstStyle/>
           <a:p>
             <a:r>
-              <a:rPr lang="en-US" smtClean="0"/>
+              <a:rPr lang="en-US"/>
               <a:t>Click to edit Master title style</a:t>
             </a:r>
-            <a:endParaRPr lang="en-US"/>
           </a:p>
         </p:txBody>
       </p:sp>
@@ -3141,38 +3136,37 @@
           <a:p>
             <a:pPr lvl="0"/>
             <a:r>
-              <a:rPr lang="en-US" smtClean="0"/>
+              <a:rPr lang="en-US"/>
               <a:t>Click to edit Master text styles</a:t>
             </a:r>
           </a:p>
           <a:p>
             <a:pPr lvl="1"/>
             <a:r>
-              <a:rPr lang="en-US" smtClean="0"/>
+              <a:rPr lang="en-US"/>
               <a:t>Second level</a:t>
             </a:r>
           </a:p>
           <a:p>
             <a:pPr lvl="2"/>
             <a:r>
-              <a:rPr lang="en-US" smtClean="0"/>
+              <a:rPr lang="en-US"/>
               <a:t>Third level</a:t>
             </a:r>
           </a:p>
           <a:p>
             <a:pPr lvl="3"/>
             <a:r>
-              <a:rPr lang="en-US" smtClean="0"/>
+              <a:rPr lang="en-US"/>
               <a:t>Fourth level</a:t>
             </a:r>
           </a:p>
           <a:p>
             <a:pPr lvl="4"/>
             <a:r>
-              <a:rPr lang="en-US" smtClean="0"/>
+              <a:rPr lang="en-US"/>
               <a:t>Fifth level</a:t>
             </a:r>
-            <a:endParaRPr lang="en-US"/>
           </a:p>
         </p:txBody>
       </p:sp>
@@ -3212,7 +3206,7 @@
             <a:fld id="{5F8BEB70-0D9B-4186-97A7-C2420D1EE61A}" type="datetimeFigureOut">
               <a:rPr lang="en-US" smtClean="0"/>
               <a:pPr/>
-              <a:t>26-Sep-17</a:t>
+              <a:t>5/5/2019</a:t>
             </a:fld>
             <a:endParaRPr lang="en-US"/>
           </a:p>
@@ -3613,13 +3607,16 @@
                 <a:spcPct val="0"/>
               </a:spcBef>
             </a:pPr>
-            <a:endParaRPr lang="en-US" sz="2000" b="1" dirty="0" smtClean="0">
-              <a:solidFill>
-                <a:srgbClr val="64C8FF"/>
-              </a:solidFill>
-              <a:latin typeface="Arial" charset="0"/>
-              <a:cs typeface="Times New Roman" pitchFamily="18" charset="0"/>
-            </a:endParaRPr>
+            <a:r>
+              <a:rPr lang="en-US" sz="3600" b="1" dirty="0">
+                <a:solidFill>
+                  <a:srgbClr val="64C8FF"/>
+                </a:solidFill>
+                <a:latin typeface="Arial" charset="0"/>
+                <a:cs typeface="Times New Roman" pitchFamily="18" charset="0"/>
+              </a:rPr>
+              <a:t>Good, Good Father</a:t>
+            </a:r>
           </a:p>
           <a:p>
             <a:pPr algn="l">
@@ -3631,34 +3628,7 @@
               </a:spcBef>
             </a:pPr>
             <a:r>
-              <a:rPr lang="en-US" sz="3600" b="1" dirty="0" smtClean="0">
-                <a:solidFill>
-                  <a:srgbClr val="64C8FF"/>
-                </a:solidFill>
-                <a:latin typeface="Arial" charset="0"/>
-                <a:cs typeface="Times New Roman" pitchFamily="18" charset="0"/>
-              </a:rPr>
-              <a:t>Good, Good Father</a:t>
-            </a:r>
-            <a:endParaRPr lang="en-US" sz="3600" b="1" dirty="0">
-              <a:solidFill>
-                <a:srgbClr val="64C8FF"/>
-              </a:solidFill>
-              <a:latin typeface="Arial" charset="0"/>
-              <a:cs typeface="Times New Roman" pitchFamily="18" charset="0"/>
-            </a:endParaRPr>
-          </a:p>
-          <a:p>
-            <a:pPr algn="l">
-              <a:lnSpc>
-                <a:spcPct val="80000"/>
-              </a:lnSpc>
-              <a:spcBef>
-                <a:spcPct val="0"/>
-              </a:spcBef>
-            </a:pPr>
-            <a:r>
-              <a:rPr lang="en-US" sz="2400" dirty="0" smtClean="0">
+              <a:rPr lang="en-US" sz="2400" dirty="0">
                 <a:solidFill>
                   <a:schemeClr val="bg1"/>
                 </a:solidFill>
@@ -3702,7 +3672,7 @@
               </a:spcBef>
             </a:pPr>
             <a:r>
-              <a:rPr lang="en-US" b="1" dirty="0" smtClean="0">
+              <a:rPr lang="en-US" b="1" dirty="0">
                 <a:solidFill>
                   <a:srgbClr val="FFFFFF"/>
                 </a:solidFill>
@@ -3722,7 +3692,7 @@
               </a:spcBef>
             </a:pPr>
             <a:r>
-              <a:rPr lang="en-US" b="1" dirty="0" smtClean="0">
+              <a:rPr lang="en-US" b="1" dirty="0">
                 <a:solidFill>
                   <a:srgbClr val="FFFFFF"/>
                 </a:solidFill>
@@ -3742,7 +3712,7 @@
               </a:spcBef>
             </a:pPr>
             <a:r>
-              <a:rPr lang="en-US" b="1" dirty="0" smtClean="0">
+              <a:rPr lang="en-US" b="1" dirty="0">
                 <a:solidFill>
                   <a:srgbClr val="FFFFFF"/>
                 </a:solidFill>
@@ -3762,7 +3732,7 @@
               </a:spcBef>
             </a:pPr>
             <a:r>
-              <a:rPr lang="en-US" b="1" dirty="0" smtClean="0">
+              <a:rPr lang="en-US" b="1" dirty="0">
                 <a:solidFill>
                   <a:srgbClr val="FFFFFF"/>
                 </a:solidFill>
@@ -3782,7 +3752,7 @@
               </a:spcBef>
             </a:pPr>
             <a:r>
-              <a:rPr lang="en-US" b="1" dirty="0" smtClean="0">
+              <a:rPr lang="en-US" b="1" dirty="0">
                 <a:solidFill>
                   <a:srgbClr val="FFFFFF"/>
                 </a:solidFill>
@@ -3802,7 +3772,7 @@
               </a:spcBef>
             </a:pPr>
             <a:r>
-              <a:rPr lang="en-US" b="1" dirty="0" smtClean="0">
+              <a:rPr lang="en-US" b="1" dirty="0">
                 <a:solidFill>
                   <a:srgbClr val="FFFFFF"/>
                 </a:solidFill>
@@ -3811,7 +3781,7 @@
               </a:rPr>
               <a:t>And that I’m never alone</a:t>
             </a:r>
-            <a:endParaRPr lang="en-GB" b="1" dirty="0" smtClean="0">
+            <a:endParaRPr lang="en-GB" b="1" dirty="0">
               <a:solidFill>
                 <a:srgbClr val="000000"/>
               </a:solidFill>
@@ -3870,13 +3840,6 @@
   <p:clrMapOvr>
     <a:masterClrMapping/>
   </p:clrMapOvr>
-  <p:timing>
-    <p:tnLst>
-      <p:par>
-        <p:cTn id="1" dur="indefinite" restart="never" nodeType="tmRoot"/>
-      </p:par>
-    </p:tnLst>
-  </p:timing>
 </p:sld>
 </file>
 
@@ -3927,13 +3890,16 @@
                 <a:spcPct val="0"/>
               </a:spcBef>
             </a:pPr>
-            <a:endParaRPr lang="en-US" sz="2000" b="1" dirty="0" smtClean="0">
-              <a:solidFill>
-                <a:srgbClr val="64C8FF"/>
-              </a:solidFill>
-              <a:latin typeface="Arial" charset="0"/>
-              <a:cs typeface="Times New Roman" pitchFamily="18" charset="0"/>
-            </a:endParaRPr>
+            <a:r>
+              <a:rPr lang="en-US" b="1" dirty="0">
+                <a:solidFill>
+                  <a:srgbClr val="FFFFFF"/>
+                </a:solidFill>
+                <a:latin typeface="Arial" charset="0"/>
+                <a:cs typeface="Times New Roman" pitchFamily="18" charset="0"/>
+              </a:rPr>
+              <a:t>You’re a good, good father</a:t>
+            </a:r>
           </a:p>
           <a:p>
             <a:pPr algn="l">
@@ -3945,14 +3911,14 @@
               </a:spcBef>
             </a:pPr>
             <a:r>
-              <a:rPr lang="en-US" b="1" dirty="0" smtClean="0">
+              <a:rPr lang="en-US" b="1" dirty="0">
                 <a:solidFill>
                   <a:srgbClr val="FFFFFF"/>
                 </a:solidFill>
                 <a:latin typeface="Arial" charset="0"/>
                 <a:cs typeface="Times New Roman" pitchFamily="18" charset="0"/>
               </a:rPr>
-              <a:t>You’re a good, good father</a:t>
+              <a:t>It’s who You are, it’s who You are,</a:t>
             </a:r>
           </a:p>
           <a:p>
@@ -3965,14 +3931,14 @@
               </a:spcBef>
             </a:pPr>
             <a:r>
-              <a:rPr lang="en-US" b="1" dirty="0" smtClean="0">
+              <a:rPr lang="en-US" b="1" dirty="0">
                 <a:solidFill>
                   <a:srgbClr val="FFFFFF"/>
                 </a:solidFill>
                 <a:latin typeface="Arial" charset="0"/>
                 <a:cs typeface="Times New Roman" pitchFamily="18" charset="0"/>
               </a:rPr>
-              <a:t>It’s who You are, it’s who You are,</a:t>
+              <a:t>It’s who You are</a:t>
             </a:r>
           </a:p>
           <a:p>
@@ -3985,14 +3951,14 @@
               </a:spcBef>
             </a:pPr>
             <a:r>
-              <a:rPr lang="en-US" b="1" dirty="0" smtClean="0">
+              <a:rPr lang="en-US" b="1" dirty="0">
                 <a:solidFill>
                   <a:srgbClr val="FFFFFF"/>
                 </a:solidFill>
                 <a:latin typeface="Arial" charset="0"/>
                 <a:cs typeface="Times New Roman" pitchFamily="18" charset="0"/>
               </a:rPr>
-              <a:t>It’s who You are</a:t>
+              <a:t>And I’m loved by You</a:t>
             </a:r>
           </a:p>
           <a:p>
@@ -4005,14 +3971,14 @@
               </a:spcBef>
             </a:pPr>
             <a:r>
-              <a:rPr lang="en-US" b="1" dirty="0" smtClean="0">
+              <a:rPr lang="en-US" b="1" dirty="0">
                 <a:solidFill>
                   <a:srgbClr val="FFFFFF"/>
                 </a:solidFill>
                 <a:latin typeface="Arial" charset="0"/>
                 <a:cs typeface="Times New Roman" pitchFamily="18" charset="0"/>
               </a:rPr>
-              <a:t>And I’m loved by You</a:t>
+              <a:t>It’s who I am, it’s who I am,</a:t>
             </a:r>
           </a:p>
           <a:p>
@@ -4025,14 +3991,14 @@
               </a:spcBef>
             </a:pPr>
             <a:r>
-              <a:rPr lang="en-US" b="1" dirty="0" smtClean="0">
+              <a:rPr lang="en-US" b="1" dirty="0">
                 <a:solidFill>
                   <a:srgbClr val="FFFFFF"/>
                 </a:solidFill>
                 <a:latin typeface="Arial" charset="0"/>
                 <a:cs typeface="Times New Roman" pitchFamily="18" charset="0"/>
               </a:rPr>
-              <a:t>It’s who I am, it’s who I am,</a:t>
+              <a:t>It’s who I am</a:t>
             </a:r>
           </a:p>
           <a:p>
@@ -4045,15 +4011,22 @@
               </a:spcBef>
             </a:pPr>
             <a:r>
-              <a:rPr lang="en-US" b="1" dirty="0" smtClean="0">
+              <a:rPr lang="en-US" b="1" dirty="0">
                 <a:solidFill>
                   <a:srgbClr val="FFFFFF"/>
                 </a:solidFill>
                 <a:latin typeface="Arial" charset="0"/>
                 <a:cs typeface="Times New Roman" pitchFamily="18" charset="0"/>
               </a:rPr>
-              <a:t>It’s who I am</a:t>
-            </a:r>
+              <a:t> </a:t>
+            </a:r>
+            <a:endParaRPr lang="en-GB" b="1" dirty="0">
+              <a:solidFill>
+                <a:srgbClr val="FFFFFF"/>
+              </a:solidFill>
+              <a:latin typeface="Arial" charset="0"/>
+              <a:cs typeface="Times New Roman" pitchFamily="18" charset="0"/>
+            </a:endParaRPr>
           </a:p>
           <a:p>
             <a:pPr algn="l">
@@ -4064,34 +4037,7 @@
                 <a:spcPct val="0"/>
               </a:spcBef>
             </a:pPr>
-            <a:r>
-              <a:rPr lang="en-US" b="1" dirty="0" smtClean="0">
-                <a:solidFill>
-                  <a:srgbClr val="FFFFFF"/>
-                </a:solidFill>
-                <a:latin typeface="Arial" charset="0"/>
-                <a:cs typeface="Times New Roman" pitchFamily="18" charset="0"/>
-              </a:rPr>
-              <a:t> </a:t>
-            </a:r>
-            <a:endParaRPr lang="en-GB" b="1" dirty="0" smtClean="0">
-              <a:solidFill>
-                <a:srgbClr val="FFFFFF"/>
-              </a:solidFill>
-              <a:latin typeface="Arial" charset="0"/>
-              <a:cs typeface="Times New Roman" pitchFamily="18" charset="0"/>
-            </a:endParaRPr>
-          </a:p>
-          <a:p>
-            <a:pPr algn="l">
-              <a:lnSpc>
-                <a:spcPct val="80000"/>
-              </a:lnSpc>
-              <a:spcBef>
-                <a:spcPct val="0"/>
-              </a:spcBef>
-            </a:pPr>
-            <a:endParaRPr lang="en-US" b="1" dirty="0" smtClean="0">
+            <a:endParaRPr lang="en-US" b="1" dirty="0">
               <a:solidFill>
                 <a:srgbClr val="FFFFFF"/>
               </a:solidFill>
@@ -4150,13 +4096,6 @@
   <p:clrMapOvr>
     <a:masterClrMapping/>
   </p:clrMapOvr>
-  <p:timing>
-    <p:tnLst>
-      <p:par>
-        <p:cTn id="1" dur="indefinite" restart="never" nodeType="tmRoot"/>
-      </p:par>
-    </p:tnLst>
-  </p:timing>
 </p:sld>
 </file>
 
@@ -4205,13 +4144,16 @@
                 <a:spcPct val="0"/>
               </a:spcBef>
             </a:pPr>
-            <a:endParaRPr lang="en-US" sz="2000" b="1" dirty="0" smtClean="0">
-              <a:solidFill>
-                <a:srgbClr val="64C8FF"/>
-              </a:solidFill>
-              <a:latin typeface="Arial" charset="0"/>
-              <a:cs typeface="Times New Roman" pitchFamily="18" charset="0"/>
-            </a:endParaRPr>
+            <a:r>
+              <a:rPr lang="en-US" b="1" dirty="0">
+                <a:solidFill>
+                  <a:srgbClr val="FFFFFF"/>
+                </a:solidFill>
+                <a:latin typeface="Arial" charset="0"/>
+                <a:cs typeface="Times New Roman" pitchFamily="18" charset="0"/>
+              </a:rPr>
+              <a:t>I’ve seen many searching for</a:t>
+            </a:r>
           </a:p>
           <a:p>
             <a:pPr algn="l">
@@ -4223,14 +4165,14 @@
               </a:spcBef>
             </a:pPr>
             <a:r>
-              <a:rPr lang="en-US" b="1" dirty="0" smtClean="0">
+              <a:rPr lang="en-US" b="1" dirty="0">
                 <a:solidFill>
                   <a:srgbClr val="FFFFFF"/>
                 </a:solidFill>
                 <a:latin typeface="Arial" charset="0"/>
                 <a:cs typeface="Times New Roman" pitchFamily="18" charset="0"/>
               </a:rPr>
-              <a:t>I’ve seen many searching for</a:t>
+              <a:t>Answers far and wide</a:t>
             </a:r>
           </a:p>
           <a:p>
@@ -4243,14 +4185,14 @@
               </a:spcBef>
             </a:pPr>
             <a:r>
-              <a:rPr lang="en-US" b="1" dirty="0" smtClean="0">
+              <a:rPr lang="en-US" b="1" dirty="0">
                 <a:solidFill>
                   <a:srgbClr val="FFFFFF"/>
                 </a:solidFill>
                 <a:latin typeface="Arial" charset="0"/>
                 <a:cs typeface="Times New Roman" pitchFamily="18" charset="0"/>
               </a:rPr>
-              <a:t>Answers far and wide</a:t>
+              <a:t>But I know we’re all searching </a:t>
             </a:r>
           </a:p>
           <a:p>
@@ -4263,14 +4205,14 @@
               </a:spcBef>
             </a:pPr>
             <a:r>
-              <a:rPr lang="en-US" b="1" dirty="0" smtClean="0">
+              <a:rPr lang="en-US" b="1" dirty="0">
                 <a:solidFill>
                   <a:srgbClr val="FFFFFF"/>
                 </a:solidFill>
                 <a:latin typeface="Arial" charset="0"/>
                 <a:cs typeface="Times New Roman" pitchFamily="18" charset="0"/>
               </a:rPr>
-              <a:t>But I know we’re all searching </a:t>
+              <a:t>For answers only You provide</a:t>
             </a:r>
           </a:p>
           <a:p>
@@ -4283,14 +4225,14 @@
               </a:spcBef>
             </a:pPr>
             <a:r>
-              <a:rPr lang="en-US" b="1" dirty="0" smtClean="0">
+              <a:rPr lang="en-US" b="1" dirty="0">
                 <a:solidFill>
                   <a:srgbClr val="FFFFFF"/>
                 </a:solidFill>
                 <a:latin typeface="Arial" charset="0"/>
                 <a:cs typeface="Times New Roman" pitchFamily="18" charset="0"/>
               </a:rPr>
-              <a:t>For answers only You provide</a:t>
+              <a:t>Because You know just what we need</a:t>
             </a:r>
           </a:p>
           <a:p>
@@ -4303,14 +4245,14 @@
               </a:spcBef>
             </a:pPr>
             <a:r>
-              <a:rPr lang="en-US" b="1" dirty="0" smtClean="0">
+              <a:rPr lang="en-US" b="1" dirty="0">
                 <a:solidFill>
                   <a:srgbClr val="FFFFFF"/>
                 </a:solidFill>
                 <a:latin typeface="Arial" charset="0"/>
                 <a:cs typeface="Times New Roman" pitchFamily="18" charset="0"/>
               </a:rPr>
-              <a:t>Because You know just what we need</a:t>
+              <a:t>Before we say a word</a:t>
             </a:r>
           </a:p>
           <a:p>
@@ -4323,26 +4265,6 @@
               </a:spcBef>
             </a:pPr>
             <a:r>
-              <a:rPr lang="en-US" b="1" dirty="0" smtClean="0">
-                <a:solidFill>
-                  <a:srgbClr val="FFFFFF"/>
-                </a:solidFill>
-                <a:latin typeface="Arial" charset="0"/>
-                <a:cs typeface="Times New Roman" pitchFamily="18" charset="0"/>
-              </a:rPr>
-              <a:t>Before we say a word</a:t>
-            </a:r>
-          </a:p>
-          <a:p>
-            <a:pPr algn="l">
-              <a:lnSpc>
-                <a:spcPct val="80000"/>
-              </a:lnSpc>
-              <a:spcBef>
-                <a:spcPct val="0"/>
-              </a:spcBef>
-            </a:pPr>
-            <a:r>
               <a:rPr lang="en-US" b="1" dirty="0">
                 <a:solidFill>
                   <a:srgbClr val="FFFFFF"/>
@@ -4367,13 +4289,6 @@
   <p:clrMapOvr>
     <a:masterClrMapping/>
   </p:clrMapOvr>
-  <p:timing>
-    <p:tnLst>
-      <p:par>
-        <p:cTn id="1" dur="indefinite" restart="never" nodeType="tmRoot"/>
-      </p:par>
-    </p:tnLst>
-  </p:timing>
 </p:sld>
 </file>
 
@@ -4422,13 +4337,16 @@
                 <a:spcPct val="0"/>
               </a:spcBef>
             </a:pPr>
-            <a:endParaRPr lang="en-US" sz="2000" b="1" dirty="0" smtClean="0">
-              <a:solidFill>
-                <a:srgbClr val="64C8FF"/>
-              </a:solidFill>
-              <a:latin typeface="Arial" charset="0"/>
-              <a:cs typeface="Times New Roman" pitchFamily="18" charset="0"/>
-            </a:endParaRPr>
+            <a:r>
+              <a:rPr lang="en-US" b="1" dirty="0">
+                <a:solidFill>
+                  <a:srgbClr val="FFFFFF"/>
+                </a:solidFill>
+                <a:latin typeface="Arial" charset="0"/>
+                <a:cs typeface="Times New Roman" pitchFamily="18" charset="0"/>
+              </a:rPr>
+              <a:t>You are perfect in all of Your ways</a:t>
+            </a:r>
           </a:p>
           <a:p>
             <a:pPr algn="l">
@@ -4440,7 +4358,7 @@
               </a:spcBef>
             </a:pPr>
             <a:r>
-              <a:rPr lang="en-US" b="1" dirty="0" smtClean="0">
+              <a:rPr lang="en-US" b="1" dirty="0">
                 <a:solidFill>
                   <a:srgbClr val="FFFFFF"/>
                 </a:solidFill>
@@ -4460,7 +4378,7 @@
               </a:spcBef>
             </a:pPr>
             <a:r>
-              <a:rPr lang="en-US" b="1" dirty="0" smtClean="0">
+              <a:rPr lang="en-US" b="1" dirty="0">
                 <a:solidFill>
                   <a:srgbClr val="FFFFFF"/>
                 </a:solidFill>
@@ -4469,47 +4387,17 @@
               </a:rPr>
               <a:t>You are perfect in all of Your ways</a:t>
             </a:r>
-          </a:p>
-          <a:p>
-            <a:pPr algn="l">
-              <a:lnSpc>
-                <a:spcPct val="80000"/>
-              </a:lnSpc>
-              <a:spcBef>
-                <a:spcPct val="0"/>
-              </a:spcBef>
-            </a:pPr>
-            <a:r>
-              <a:rPr lang="en-US" b="1" dirty="0" smtClean="0">
+            <a:r>
+              <a:rPr lang="en-GB" b="1" dirty="0">
                 <a:solidFill>
                   <a:srgbClr val="FFFFFF"/>
                 </a:solidFill>
                 <a:latin typeface="Arial" charset="0"/>
                 <a:cs typeface="Times New Roman" pitchFamily="18" charset="0"/>
               </a:rPr>
-              <a:t>You are perfect in all of Your ways</a:t>
-            </a:r>
-            <a:r>
-              <a:rPr lang="en-GB" b="1" dirty="0">
-                <a:solidFill>
-                  <a:srgbClr val="FFFFFF"/>
-                </a:solidFill>
-                <a:latin typeface="Arial" charset="0"/>
-                <a:cs typeface="Times New Roman" pitchFamily="18" charset="0"/>
-              </a:rPr>
-              <a:t> </a:t>
-            </a:r>
-            <a:r>
-              <a:rPr lang="en-GB" b="1" dirty="0" smtClean="0">
-                <a:solidFill>
-                  <a:srgbClr val="FFFFFF"/>
-                </a:solidFill>
-                <a:latin typeface="Arial" charset="0"/>
-                <a:cs typeface="Times New Roman" pitchFamily="18" charset="0"/>
-              </a:rPr>
-              <a:t>to us</a:t>
-            </a:r>
-            <a:endParaRPr lang="en-US" b="1" dirty="0" smtClean="0">
+              <a:t> to us</a:t>
+            </a:r>
+            <a:endParaRPr lang="en-US" b="1" dirty="0">
               <a:solidFill>
                 <a:srgbClr val="FFFFFF"/>
               </a:solidFill>
@@ -4524,13 +4412,6 @@
   <p:clrMapOvr>
     <a:masterClrMapping/>
   </p:clrMapOvr>
-  <p:timing>
-    <p:tnLst>
-      <p:par>
-        <p:cTn id="1" dur="indefinite" restart="never" nodeType="tmRoot"/>
-      </p:par>
-    </p:tnLst>
-  </p:timing>
 </p:sld>
 </file>
 
@@ -4579,13 +4460,16 @@
                 <a:spcPct val="0"/>
               </a:spcBef>
             </a:pPr>
-            <a:endParaRPr lang="en-US" sz="2000" b="1" dirty="0" smtClean="0">
-              <a:solidFill>
-                <a:srgbClr val="64C8FF"/>
-              </a:solidFill>
-              <a:latin typeface="Arial" charset="0"/>
-              <a:cs typeface="Times New Roman" pitchFamily="18" charset="0"/>
-            </a:endParaRPr>
+            <a:r>
+              <a:rPr lang="en-US" b="1" dirty="0">
+                <a:solidFill>
+                  <a:srgbClr val="FFFFFF"/>
+                </a:solidFill>
+                <a:latin typeface="Arial" charset="0"/>
+                <a:cs typeface="Times New Roman" pitchFamily="18" charset="0"/>
+              </a:rPr>
+              <a:t>Love so undeniable I can hardly speak</a:t>
+            </a:r>
           </a:p>
           <a:p>
             <a:pPr algn="l">
@@ -4597,14 +4481,14 @@
               </a:spcBef>
             </a:pPr>
             <a:r>
-              <a:rPr lang="en-US" b="1" dirty="0" smtClean="0">
+              <a:rPr lang="en-US" b="1" dirty="0">
                 <a:solidFill>
                   <a:srgbClr val="FFFFFF"/>
                 </a:solidFill>
                 <a:latin typeface="Arial" charset="0"/>
                 <a:cs typeface="Times New Roman" pitchFamily="18" charset="0"/>
               </a:rPr>
-              <a:t>Love so undeniable I can hardly speak</a:t>
+              <a:t>Peace so unexplainable I can hardly think</a:t>
             </a:r>
           </a:p>
           <a:p>
@@ -4617,14 +4501,14 @@
               </a:spcBef>
             </a:pPr>
             <a:r>
-              <a:rPr lang="en-US" b="1" dirty="0" smtClean="0">
+              <a:rPr lang="en-US" b="1" dirty="0">
                 <a:solidFill>
                   <a:srgbClr val="FFFFFF"/>
                 </a:solidFill>
                 <a:latin typeface="Arial" charset="0"/>
                 <a:cs typeface="Times New Roman" pitchFamily="18" charset="0"/>
               </a:rPr>
-              <a:t>Peace so unexplainable I can hardly think</a:t>
+              <a:t>As You call me deeper still</a:t>
             </a:r>
           </a:p>
           <a:p>
@@ -4637,7 +4521,7 @@
               </a:spcBef>
             </a:pPr>
             <a:r>
-              <a:rPr lang="en-US" b="1" dirty="0" smtClean="0">
+              <a:rPr lang="en-US" b="1" dirty="0">
                 <a:solidFill>
                   <a:srgbClr val="FFFFFF"/>
                 </a:solidFill>
@@ -4657,7 +4541,7 @@
               </a:spcBef>
             </a:pPr>
             <a:r>
-              <a:rPr lang="en-US" b="1" dirty="0" smtClean="0">
+              <a:rPr lang="en-US" b="1" dirty="0">
                 <a:solidFill>
                   <a:srgbClr val="FFFFFF"/>
                 </a:solidFill>
@@ -4677,27 +4561,7 @@
               </a:spcBef>
             </a:pPr>
             <a:r>
-              <a:rPr lang="en-US" b="1" dirty="0" smtClean="0">
-                <a:solidFill>
-                  <a:srgbClr val="FFFFFF"/>
-                </a:solidFill>
-                <a:latin typeface="Arial" charset="0"/>
-                <a:cs typeface="Times New Roman" pitchFamily="18" charset="0"/>
-              </a:rPr>
-              <a:t>As You call me deeper still</a:t>
-            </a:r>
-          </a:p>
-          <a:p>
-            <a:pPr algn="l">
-              <a:lnSpc>
-                <a:spcPct val="80000"/>
-              </a:lnSpc>
-              <a:spcBef>
-                <a:spcPct val="0"/>
-              </a:spcBef>
-            </a:pPr>
-            <a:r>
-              <a:rPr lang="en-US" b="1" dirty="0" smtClean="0">
+              <a:rPr lang="en-US" b="1" dirty="0">
                 <a:solidFill>
                   <a:srgbClr val="FFFFFF"/>
                 </a:solidFill>
@@ -4714,13 +4578,6 @@
   <p:clrMapOvr>
     <a:masterClrMapping/>
   </p:clrMapOvr>
-  <p:timing>
-    <p:tnLst>
-      <p:par>
-        <p:cTn id="1" dur="indefinite" restart="never" nodeType="tmRoot"/>
-      </p:par>
-    </p:tnLst>
-  </p:timing>
 </p:sld>
 </file>
 
@@ -4769,13 +4626,16 @@
                 <a:spcPct val="0"/>
               </a:spcBef>
             </a:pPr>
-            <a:endParaRPr lang="en-GB" sz="2000" b="1" dirty="0" smtClean="0">
-              <a:solidFill>
-                <a:srgbClr val="64C8FF"/>
-              </a:solidFill>
-              <a:latin typeface="Arial" charset="0"/>
-              <a:cs typeface="Times New Roman" pitchFamily="18" charset="0"/>
-            </a:endParaRPr>
+            <a:r>
+              <a:rPr lang="en-GB" b="1" dirty="0">
+                <a:solidFill>
+                  <a:schemeClr val="bg1"/>
+                </a:solidFill>
+                <a:latin typeface="Arial" charset="0"/>
+                <a:cs typeface="Times New Roman" pitchFamily="18" charset="0"/>
+              </a:rPr>
+              <a:t>We sing into, into Your heart</a:t>
+            </a:r>
           </a:p>
           <a:p>
             <a:pPr algn="l">
@@ -4787,14 +4647,14 @@
               </a:spcBef>
             </a:pPr>
             <a:r>
-              <a:rPr lang="en-GB" b="1" dirty="0" smtClean="0">
+              <a:rPr lang="en-GB" b="1" dirty="0">
                 <a:solidFill>
                   <a:schemeClr val="bg1"/>
                 </a:solidFill>
                 <a:latin typeface="Arial" charset="0"/>
                 <a:cs typeface="Times New Roman" pitchFamily="18" charset="0"/>
               </a:rPr>
-              <a:t>We sing into, into Your heart</a:t>
+              <a:t>Into Your promises</a:t>
             </a:r>
           </a:p>
           <a:p>
@@ -4806,16 +4666,13 @@
                 <a:spcPct val="0"/>
               </a:spcBef>
             </a:pPr>
-            <a:r>
-              <a:rPr lang="en-GB" b="1" dirty="0" smtClean="0">
-                <a:solidFill>
-                  <a:schemeClr val="bg1"/>
-                </a:solidFill>
-                <a:latin typeface="Arial" charset="0"/>
-                <a:cs typeface="Times New Roman" pitchFamily="18" charset="0"/>
-              </a:rPr>
-              <a:t>Into Your promises</a:t>
-            </a:r>
+            <a:endParaRPr lang="en-GB" b="1" dirty="0">
+              <a:solidFill>
+                <a:schemeClr val="bg1"/>
+              </a:solidFill>
+              <a:latin typeface="Arial" charset="0"/>
+              <a:cs typeface="Times New Roman" pitchFamily="18" charset="0"/>
+            </a:endParaRPr>
           </a:p>
           <a:p>
             <a:pPr algn="l">
@@ -4826,25 +4683,8 @@
                 <a:spcPct val="0"/>
               </a:spcBef>
             </a:pPr>
-            <a:endParaRPr lang="en-GB" b="1" dirty="0" smtClean="0">
-              <a:solidFill>
-                <a:schemeClr val="bg1"/>
-              </a:solidFill>
-              <a:latin typeface="Arial" charset="0"/>
-              <a:cs typeface="Times New Roman" pitchFamily="18" charset="0"/>
-            </a:endParaRPr>
-          </a:p>
-          <a:p>
-            <a:pPr algn="l">
-              <a:lnSpc>
-                <a:spcPct val="80000"/>
-              </a:lnSpc>
-              <a:spcBef>
-                <a:spcPct val="0"/>
-              </a:spcBef>
-            </a:pPr>
-            <a:r>
-              <a:rPr lang="en-GB" b="1" dirty="0" err="1" smtClean="0">
+            <a:r>
+              <a:rPr lang="en-GB" b="1" dirty="0" err="1">
                 <a:solidFill>
                   <a:schemeClr val="bg1"/>
                 </a:solidFill>
@@ -4854,7 +4694,7 @@
               <a:t>Cuz</a:t>
             </a:r>
             <a:r>
-              <a:rPr lang="en-GB" b="1" dirty="0" smtClean="0">
+              <a:rPr lang="en-GB" b="1" dirty="0">
                 <a:solidFill>
                   <a:schemeClr val="bg1"/>
                 </a:solidFill>
@@ -4864,7 +4704,7 @@
               <a:t> You’re a good </a:t>
             </a:r>
             <a:r>
-              <a:rPr lang="en-GB" b="1" dirty="0" err="1" smtClean="0">
+              <a:rPr lang="en-GB" b="1" dirty="0" err="1">
                 <a:solidFill>
                   <a:schemeClr val="bg1"/>
                 </a:solidFill>
@@ -4874,7 +4714,7 @@
               <a:t>good</a:t>
             </a:r>
             <a:r>
-              <a:rPr lang="en-GB" b="1" dirty="0" smtClean="0">
+              <a:rPr lang="en-GB" b="1" dirty="0">
                 <a:solidFill>
                   <a:schemeClr val="bg1"/>
                 </a:solidFill>
@@ -4891,13 +4731,6 @@
   <p:clrMapOvr>
     <a:masterClrMapping/>
   </p:clrMapOvr>
-  <p:timing>
-    <p:tnLst>
-      <p:par>
-        <p:cTn id="1" dur="indefinite" restart="never" nodeType="tmRoot"/>
-      </p:par>
-    </p:tnLst>
-  </p:timing>
 </p:sld>
 </file>
 
